--- a/presentation/DevDay23_TDD.pptx
+++ b/presentation/DevDay23_TDD.pptx
@@ -282,7 +282,7 @@
           <a:p>
             <a:fld id="{EEC665CA-D682-48EC-95D2-126FD6449D65}" type="datetime1">
               <a:rPr lang="de-CH" sz="900" smtClean="0"/>
-              <a:t>17.11.23</a:t>
+              <a:t>30.11.23</a:t>
             </a:fld>
             <a:endParaRPr lang="de-CH" sz="900"/>
           </a:p>
@@ -584,7 +584,7 @@
           <a:p>
             <a:fld id="{A17AAF7D-4283-4014-80F4-26E915FEACF8}" type="datetime1">
               <a:rPr lang="de-CH" smtClean="0"/>
-              <a:t>17.11.23</a:t>
+              <a:t>30.11.23</a:t>
             </a:fld>
             <a:endParaRPr lang="de-CH" dirty="0"/>
           </a:p>
@@ -903,10 +903,7 @@
           <a:bodyPr/>
           <a:lstStyle/>
           <a:p>
-            <a:r>
-              <a:rPr lang="de-DE" dirty="0"/>
-              <a:t>Disclaimer! </a:t>
-            </a:r>
+            <a:endParaRPr lang="de-DE" dirty="0"/>
           </a:p>
         </p:txBody>
       </p:sp>
@@ -996,65 +993,6 @@
           <a:bodyPr/>
           <a:lstStyle/>
           <a:p>
-            <a:r>
-              <a:rPr lang="de-DE" dirty="0"/>
-              <a:t>Was tun wir?</a:t>
-            </a:r>
-          </a:p>
-          <a:p>
-            <a:r>
-              <a:rPr lang="de-DE" dirty="0"/>
-              <a:t>  - Was manipulieren wir mit unseren Händen? Was ist unser Handwerk?</a:t>
-            </a:r>
-          </a:p>
-          <a:p>
-            <a:r>
-              <a:rPr lang="de-DE" dirty="0"/>
-              <a:t>    -&gt; Keyboard? :-D</a:t>
-            </a:r>
-          </a:p>
-          <a:p>
-            <a:r>
-              <a:rPr lang="de-DE" dirty="0"/>
-              <a:t>    -&gt; </a:t>
-            </a:r>
-            <a:r>
-              <a:rPr lang="de-DE" dirty="0" err="1"/>
-              <a:t>Sequence</a:t>
-            </a:r>
-            <a:r>
-              <a:rPr lang="de-DE" dirty="0"/>
-              <a:t>, </a:t>
-            </a:r>
-            <a:r>
-              <a:rPr lang="de-DE" dirty="0" err="1"/>
-              <a:t>Selection</a:t>
-            </a:r>
-            <a:r>
-              <a:rPr lang="de-DE" dirty="0"/>
-              <a:t> and Iteration -&gt; Keine Innovation im Software Bereich seit Dekaden 1946 – 1970 Innovationsphase</a:t>
-            </a:r>
-          </a:p>
-          <a:p>
-            <a:endParaRPr lang="de-DE" dirty="0"/>
-          </a:p>
-          <a:p>
-            <a:r>
-              <a:rPr lang="de-DE" dirty="0"/>
-              <a:t>Manchmal Schwierig bei der SBB</a:t>
-            </a:r>
-          </a:p>
-          <a:p>
-            <a:r>
-              <a:rPr lang="de-DE" dirty="0"/>
-              <a:t> </a:t>
-            </a:r>
-            <a:r>
-              <a:rPr lang="de-DE" dirty="0">
-                <a:sym typeface="Wingdings" pitchFamily="2" charset="2"/>
-              </a:rPr>
-              <a:t> wenig Fokus auf Software Entwicklung</a:t>
-            </a:r>
             <a:endParaRPr lang="de-DE" dirty="0"/>
           </a:p>
         </p:txBody>
@@ -1145,67 +1083,7 @@
           <a:bodyPr/>
           <a:lstStyle/>
           <a:p>
-            <a:r>
-              <a:rPr lang="de-DE" dirty="0"/>
-              <a:t>Wir produzieren Dokumente (Code)</a:t>
-            </a:r>
-          </a:p>
-          <a:p>
-            <a:r>
-              <a:rPr lang="de-DE" dirty="0"/>
-              <a:t>Voll von geheimnisvollen Symbolen</a:t>
-            </a:r>
-          </a:p>
-          <a:p>
             <a:endParaRPr lang="de-DE" dirty="0"/>
-          </a:p>
-          <a:p>
-            <a:r>
-              <a:rPr lang="de-DE" dirty="0"/>
-              <a:t>Jedes Symbol muss korrekt sein, sonst passieren schlimme dinge.</a:t>
-            </a:r>
-          </a:p>
-          <a:p>
-            <a:endParaRPr lang="de-DE" dirty="0"/>
-          </a:p>
-          <a:p>
-            <a:r>
-              <a:rPr lang="de-DE" dirty="0"/>
-              <a:t>Wer hat sonst noch solche Probleme?</a:t>
-            </a:r>
-          </a:p>
-          <a:p>
-            <a:endParaRPr lang="de-DE" dirty="0"/>
-          </a:p>
-          <a:p>
-            <a:r>
-              <a:rPr lang="de-DE" dirty="0"/>
-              <a:t>Anwälte? Buchhalter</a:t>
-            </a:r>
-          </a:p>
-          <a:p>
-            <a:endParaRPr lang="de-DE" dirty="0"/>
-          </a:p>
-          <a:p>
-            <a:r>
-              <a:rPr lang="de-DE" dirty="0"/>
-              <a:t>Wie stellen Buchhalter sicher, dass ihre Dokumente korrekt sind?</a:t>
-            </a:r>
-          </a:p>
-          <a:p>
-            <a:r>
-              <a:rPr lang="de-DE" dirty="0"/>
-              <a:t>  -&gt; Doppelte Buchhaltung -&gt; Disziplin</a:t>
-            </a:r>
-          </a:p>
-          <a:p>
-            <a:endParaRPr lang="de-DE" dirty="0"/>
-          </a:p>
-          <a:p>
-            <a:r>
-              <a:rPr lang="de-DE" dirty="0"/>
-              <a:t>TDD ist doppelte Buchhaltung</a:t>
-            </a:r>
           </a:p>
         </p:txBody>
       </p:sp>
@@ -1295,125 +1173,6 @@
           <a:bodyPr/>
           <a:lstStyle/>
           <a:p>
-            <a:r>
-              <a:rPr lang="de-DE" dirty="0"/>
-              <a:t>Sounds stupid?</a:t>
-            </a:r>
-          </a:p>
-          <a:p>
-            <a:endParaRPr lang="de-DE" dirty="0"/>
-          </a:p>
-          <a:p>
-            <a:r>
-              <a:rPr lang="de-DE" dirty="0" err="1"/>
-              <a:t>It</a:t>
-            </a:r>
-            <a:r>
-              <a:rPr lang="de-DE" dirty="0"/>
-              <a:t> </a:t>
-            </a:r>
-            <a:r>
-              <a:rPr lang="de-DE" dirty="0" err="1"/>
-              <a:t>puts</a:t>
-            </a:r>
-            <a:r>
-              <a:rPr lang="de-DE" dirty="0"/>
-              <a:t> </a:t>
-            </a:r>
-            <a:r>
-              <a:rPr lang="de-DE" dirty="0" err="1"/>
-              <a:t>you</a:t>
-            </a:r>
-            <a:r>
-              <a:rPr lang="de-DE" dirty="0"/>
-              <a:t> in </a:t>
-            </a:r>
-            <a:r>
-              <a:rPr lang="de-DE" dirty="0" err="1"/>
-              <a:t>this</a:t>
-            </a:r>
-            <a:r>
-              <a:rPr lang="de-DE" dirty="0"/>
-              <a:t> </a:t>
-            </a:r>
-            <a:r>
-              <a:rPr lang="de-DE" dirty="0" err="1"/>
-              <a:t>horrable</a:t>
-            </a:r>
-            <a:r>
-              <a:rPr lang="de-DE" dirty="0"/>
-              <a:t> loop.</a:t>
-            </a:r>
-          </a:p>
-          <a:p>
-            <a:endParaRPr lang="de-DE" dirty="0"/>
-          </a:p>
-          <a:p>
-            <a:r>
-              <a:rPr lang="de-DE" dirty="0"/>
-              <a:t>5 Sekunden Loop.</a:t>
-            </a:r>
-          </a:p>
-          <a:p>
-            <a:endParaRPr lang="de-DE" dirty="0"/>
-          </a:p>
-          <a:p>
-            <a:r>
-              <a:rPr lang="de-DE" dirty="0"/>
-              <a:t>This </a:t>
-            </a:r>
-            <a:r>
-              <a:rPr lang="de-DE" dirty="0" err="1"/>
-              <a:t>is</a:t>
-            </a:r>
-            <a:r>
-              <a:rPr lang="de-DE" dirty="0"/>
-              <a:t> </a:t>
-            </a:r>
-            <a:r>
-              <a:rPr lang="de-DE" dirty="0" err="1"/>
-              <a:t>your</a:t>
-            </a:r>
-            <a:r>
-              <a:rPr lang="de-DE" dirty="0"/>
-              <a:t> Life </a:t>
-            </a:r>
-            <a:r>
-              <a:rPr lang="de-DE" dirty="0" err="1"/>
-              <a:t>now</a:t>
-            </a:r>
-            <a:r>
-              <a:rPr lang="de-DE" dirty="0"/>
-              <a:t>!</a:t>
-            </a:r>
-          </a:p>
-          <a:p>
-            <a:endParaRPr lang="de-DE" dirty="0"/>
-          </a:p>
-          <a:p>
-            <a:r>
-              <a:rPr lang="de-DE" dirty="0"/>
-              <a:t>Man kann keine </a:t>
-            </a:r>
-            <a:r>
-              <a:rPr lang="de-DE" dirty="0" err="1"/>
-              <a:t>For</a:t>
-            </a:r>
-            <a:r>
-              <a:rPr lang="de-DE" dirty="0"/>
-              <a:t>-Loop schreiben, ohne sich ständig selbst zu unterbrechen.</a:t>
-            </a:r>
-          </a:p>
-          <a:p>
-            <a:endParaRPr lang="de-DE" dirty="0"/>
-          </a:p>
-          <a:p>
-            <a:r>
-              <a:rPr lang="de-DE" dirty="0"/>
-              <a:t>Vor einer Minute hat alles funktioniert.</a:t>
-            </a:r>
-          </a:p>
-          <a:p>
             <a:endParaRPr lang="de-DE" dirty="0"/>
           </a:p>
         </p:txBody>
@@ -1503,185 +1262,6 @@
         <p:txBody>
           <a:bodyPr/>
           <a:lstStyle/>
-          <a:p>
-            <a:r>
-              <a:rPr lang="de-DE" dirty="0"/>
-              <a:t>Wieso kein </a:t>
-            </a:r>
-            <a:r>
-              <a:rPr lang="de-DE" dirty="0" err="1"/>
-              <a:t>Spass</a:t>
-            </a:r>
-            <a:r>
-              <a:rPr lang="de-DE" dirty="0"/>
-              <a:t>?</a:t>
-            </a:r>
-          </a:p>
-          <a:p>
-            <a:r>
-              <a:rPr lang="de-DE" dirty="0"/>
-              <a:t>  -&gt; Weil du schon </a:t>
-            </a:r>
-            <a:r>
-              <a:rPr lang="de-DE" dirty="0" err="1"/>
-              <a:t>weisst</a:t>
-            </a:r>
-            <a:r>
-              <a:rPr lang="de-DE" dirty="0"/>
-              <a:t>, das der Code funktioniert. Wurde von Hand getestet.</a:t>
-            </a:r>
-          </a:p>
-          <a:p>
-            <a:r>
-              <a:rPr lang="de-DE" dirty="0"/>
-              <a:t>  -&gt; Weil jemand sagt, ich muss Tests schreiben -&gt; passiv aggressiv </a:t>
-            </a:r>
-            <a:r>
-              <a:rPr lang="de-DE" dirty="0" err="1"/>
-              <a:t>mode</a:t>
-            </a:r>
-            <a:r>
-              <a:rPr lang="de-DE" dirty="0"/>
-              <a:t>.</a:t>
-            </a:r>
-          </a:p>
-          <a:p>
-            <a:r>
-              <a:rPr lang="de-DE" dirty="0"/>
-              <a:t>  -&gt; Unvermeidlich wirst du code antreffen der sehr schwierig testbar ist. -&gt; Er wurde nicht dafür </a:t>
-            </a:r>
-            <a:r>
-              <a:rPr lang="de-DE" dirty="0" err="1"/>
-              <a:t>desinged</a:t>
-            </a:r>
-            <a:endParaRPr lang="de-DE" dirty="0"/>
-          </a:p>
-          <a:p>
-            <a:r>
-              <a:rPr lang="de-DE" dirty="0"/>
-              <a:t>  -&gt; Man hinterlässt ein Loch in deiner Testsuite. Und alle anderen auch.</a:t>
-            </a:r>
-          </a:p>
-          <a:p>
-            <a:r>
-              <a:rPr lang="de-DE" dirty="0"/>
-              <a:t>  -&gt; Wenn die Tests nun passen, bedeutet es nichts. -&gt; Fallschirm</a:t>
-            </a:r>
-          </a:p>
-          <a:p>
-            <a:r>
-              <a:rPr lang="de-DE" dirty="0"/>
-              <a:t> </a:t>
-            </a:r>
-          </a:p>
-          <a:p>
-            <a:r>
-              <a:rPr lang="de-DE" dirty="0"/>
-              <a:t>Tests-First</a:t>
-            </a:r>
-          </a:p>
-          <a:p>
-            <a:r>
-              <a:rPr lang="de-DE" dirty="0"/>
-              <a:t>  -&gt; </a:t>
-            </a:r>
-            <a:r>
-              <a:rPr lang="de-DE" dirty="0" err="1"/>
-              <a:t>is</a:t>
-            </a:r>
-            <a:r>
-              <a:rPr lang="de-DE" dirty="0"/>
-              <a:t> </a:t>
-            </a:r>
-            <a:r>
-              <a:rPr lang="de-DE" dirty="0" err="1"/>
-              <a:t>fun</a:t>
-            </a:r>
-            <a:r>
-              <a:rPr lang="de-DE" dirty="0"/>
-              <a:t>!</a:t>
-            </a:r>
-          </a:p>
-          <a:p>
-            <a:r>
-              <a:rPr lang="de-DE" dirty="0"/>
-              <a:t>  -&gt; Du hast diesen Button</a:t>
-            </a:r>
-          </a:p>
-          <a:p>
-            <a:r>
-              <a:rPr lang="de-DE" dirty="0"/>
-              <a:t>  -&gt; Du kannst keinen Code schreiben, der schwierig zum Testen ist.</a:t>
-            </a:r>
-          </a:p>
-          <a:p>
-            <a:r>
-              <a:rPr lang="de-DE" dirty="0"/>
-              <a:t>  -&gt; </a:t>
-            </a:r>
-            <a:r>
-              <a:rPr lang="de-DE" dirty="0" err="1"/>
-              <a:t>Testable</a:t>
-            </a:r>
-            <a:r>
-              <a:rPr lang="de-DE" dirty="0"/>
-              <a:t> Code -&gt; Auch </a:t>
-            </a:r>
-            <a:r>
-              <a:rPr lang="de-DE" dirty="0" err="1"/>
-              <a:t>Decoupled</a:t>
-            </a:r>
-            <a:r>
-              <a:rPr lang="de-DE" dirty="0"/>
-              <a:t> Code genannt.</a:t>
-            </a:r>
-          </a:p>
-          <a:p>
-            <a:endParaRPr lang="de-DE" dirty="0"/>
-          </a:p>
-          <a:p>
-            <a:r>
-              <a:rPr lang="de-DE" dirty="0"/>
-              <a:t>Beste Definition für Unit-Tests: Tests </a:t>
-            </a:r>
-            <a:r>
-              <a:rPr lang="de-DE" dirty="0" err="1"/>
-              <a:t>written</a:t>
-            </a:r>
-            <a:r>
-              <a:rPr lang="de-DE" dirty="0"/>
-              <a:t> </a:t>
-            </a:r>
-            <a:r>
-              <a:rPr lang="de-DE" dirty="0" err="1"/>
-              <a:t>by</a:t>
-            </a:r>
-            <a:r>
-              <a:rPr lang="de-DE" dirty="0"/>
-              <a:t> </a:t>
-            </a:r>
-            <a:r>
-              <a:rPr lang="de-DE" dirty="0" err="1"/>
-              <a:t>Programmers</a:t>
-            </a:r>
-            <a:r>
-              <a:rPr lang="de-DE" dirty="0"/>
-              <a:t> </a:t>
-            </a:r>
-            <a:r>
-              <a:rPr lang="de-DE" dirty="0" err="1"/>
-              <a:t>for</a:t>
-            </a:r>
-            <a:r>
-              <a:rPr lang="de-DE" dirty="0"/>
-              <a:t> </a:t>
-            </a:r>
-            <a:r>
-              <a:rPr lang="de-DE" dirty="0" err="1"/>
-              <a:t>Programmers</a:t>
-            </a:r>
-            <a:endParaRPr lang="de-DE" dirty="0"/>
-          </a:p>
           <a:p>
             <a:endParaRPr lang="de-DE" dirty="0"/>
           </a:p>
@@ -21154,7 +20734,7 @@
             </a:pPr>
             <a:r>
               <a:rPr lang="de-CH" sz="1800" dirty="0"/>
-              <a:t>Sie dürfen keinen Produktionscode schreiben, bevor Sie nicht einen Test geschrieben haben, der fehlschlägt, weil der Produktionscode nicht existiert.</a:t>
+              <a:t>Es ist dir nicht erlaubt Produktionscode zu schreiben, bevor du nicht einen Test geschrieben hast, der fehlschlägt, weil der Produktionscode nicht existiert.</a:t>
             </a:r>
           </a:p>
           <a:p>
@@ -21294,7 +20874,7 @@
             </a:pPr>
             <a:r>
               <a:rPr lang="de-CH" sz="1800" dirty="0"/>
-              <a:t>Es ist nicht erlaubt, mehr von einem Test zu schreiben, als zum Scheitern nötig ist. Und nicht zu kompilieren ist fehlschlagen.</a:t>
+              <a:t>Es ist dir nicht erlaubt, mehr von einem Test zu schreiben, als zum Scheitern nötig ist. Und nicht zu kompilieren ist fehlschlagen.</a:t>
             </a:r>
           </a:p>
           <a:p>
@@ -21445,7 +21025,7 @@
             </a:pPr>
             <a:r>
               <a:rPr lang="de-CH" sz="1800" dirty="0"/>
-              <a:t>Sie dürfen nicht mehr Produktionscode schreiben, als zum Bestehen des aktuell fehlgeschlagenen Tests erforderlich ist.</a:t>
+              <a:t>Es ist dir nicht erlaubt mehr Produktionscode zu schreiben, als zum Bestehen des aktuell fehlgeschlagenen Tests erforderlich ist.</a:t>
             </a:r>
           </a:p>
         </p:txBody>
